--- a/人工智能/PowerPoint笔记/人工智能中使用的公式.pptx
+++ b/人工智能/PowerPoint笔记/人工智能中使用的公式.pptx
@@ -10,6 +10,9 @@
     <p:sldId id="257" r:id="rId5"/>
     <p:sldId id="258" r:id="rId6"/>
     <p:sldId id="261" r:id="rId7"/>
+    <p:sldId id="264" r:id="rId8"/>
+    <p:sldId id="265" r:id="rId9"/>
+    <p:sldId id="266" r:id="rId10"/>
   </p:sldIdLst>
   <p:sldSz cx="12192000" cy="6858000"/>
   <p:notesSz cx="6858000" cy="9144000"/>
@@ -2941,7 +2944,6 @@
           <a:p>
             <a:r>
               <a:rPr lang="zh-CN" altLang="en-US" sz="2800">
-                <a:ln/>
                 <a:solidFill>
                   <a:schemeClr val="accent1"/>
                 </a:solidFill>
@@ -2956,7 +2958,6 @@
               <a:t>人工智能中使用的激活函数</a:t>
             </a:r>
             <a:endParaRPr lang="zh-CN" altLang="en-US" sz="2800">
-              <a:ln/>
               <a:solidFill>
                 <a:schemeClr val="accent1"/>
               </a:solidFill>
@@ -3875,11 +3876,7 @@
             </a:r>
             <a:r>
               <a:rPr lang="zh-CN" altLang="en-US" sz="1600"/>
-              <a:t>表示</a:t>
-            </a:r>
-            <a:r>
-              <a:rPr lang="zh-CN" altLang="en-US" sz="1600"/>
-              <a:t>如下：</a:t>
+              <a:t>表示如下：</a:t>
             </a:r>
             <a:endParaRPr lang="zh-CN" altLang="en-US" sz="1600"/>
           </a:p>
@@ -3912,11 +3909,7 @@
             </a:r>
             <a:r>
               <a:rPr lang="zh-CN" altLang="en-US" sz="1600"/>
-              <a:t>表示</a:t>
-            </a:r>
-            <a:r>
-              <a:rPr lang="zh-CN" altLang="en-US" sz="1600"/>
-              <a:t>如下：</a:t>
+              <a:t>表示如下：</a:t>
             </a:r>
             <a:endParaRPr lang="zh-CN" altLang="en-US" sz="1600"/>
           </a:p>
@@ -4696,7 +4689,7 @@
           <a:graphicData uri="http://schemas.openxmlformats.org/presentationml/2006/ole">
             <mc:AlternateContent xmlns:mc="http://schemas.openxmlformats.org/markup-compatibility/2006">
               <mc:Choice xmlns:v="urn:schemas-microsoft-com:vml" Requires="v">
-                <p:oleObj spid="_x0000_s2049" name="" r:id="rId3" imgW="1002665" imgH="203200" progId="Equation.KSEE3">
+                <p:oleObj spid="_x0000_s8" name="" r:id="rId3" imgW="1002665" imgH="203200" progId="Equation.KSEE3">
                   <p:embed/>
                 </p:oleObj>
               </mc:Choice>
@@ -4733,7 +4726,7 @@
       </p:graphicFrame>
       <p:graphicFrame>
         <p:nvGraphicFramePr>
-          <p:cNvPr id="8" name="对象 7">
+          <p:cNvPr id="9" name="对象 8">
             <a:hlinkClick r:id="" action="ppaction://ole?verb="/>
           </p:cNvPr>
           <p:cNvGraphicFramePr>
@@ -4749,7 +4742,7 @@
           <a:graphicData uri="http://schemas.openxmlformats.org/presentationml/2006/ole">
             <mc:AlternateContent xmlns:mc="http://schemas.openxmlformats.org/markup-compatibility/2006">
               <mc:Choice xmlns:v="urn:schemas-microsoft-com:vml" Requires="v">
-                <p:oleObj spid="_x0000_s9" name="" r:id="rId5" imgW="1295400" imgH="203200" progId="Equation.KSEE3">
+                <p:oleObj spid="_x0000_s10" name="" r:id="rId5" imgW="1295400" imgH="203200" progId="Equation.KSEE3">
                   <p:embed/>
                 </p:oleObj>
               </mc:Choice>
@@ -4786,7 +4779,7 @@
       </p:graphicFrame>
       <p:sp>
         <p:nvSpPr>
-          <p:cNvPr id="10" name="文本框 9"/>
+          <p:cNvPr id="11" name="文本框 10"/>
           <p:cNvSpPr txBox="1"/>
           <p:nvPr/>
         </p:nvSpPr>
@@ -4931,6 +4924,860 @@
                       <a:xfrm>
                         <a:off x="10046970" y="1544955"/>
                         <a:ext cx="211455" cy="317500"/>
+                      </a:xfrm>
+                      <a:prstGeom prst="rect">
+                        <a:avLst/>
+                      </a:prstGeom>
+                    </p:spPr>
+                  </p:pic>
+                </p:oleObj>
+              </mc:Fallback>
+            </mc:AlternateContent>
+          </a:graphicData>
+        </a:graphic>
+      </p:graphicFrame>
+    </p:spTree>
+  </p:cSld>
+  <p:clrMapOvr>
+    <a:masterClrMapping/>
+  </p:clrMapOvr>
+</p:sld>
+</file>
+
+<file path=ppt/slides/slide6.xml><?xml version="1.0" encoding="utf-8"?>
+<p:sld xmlns:a="http://schemas.openxmlformats.org/drawingml/2006/main" xmlns:r="http://schemas.openxmlformats.org/officeDocument/2006/relationships" xmlns:p="http://schemas.openxmlformats.org/presentationml/2006/main">
+  <p:cSld>
+    <p:spTree>
+      <p:nvGrpSpPr>
+        <p:cNvPr id="1" name=""/>
+        <p:cNvGrpSpPr/>
+        <p:nvPr/>
+      </p:nvGrpSpPr>
+      <p:grpSpPr/>
+      <p:graphicFrame>
+        <p:nvGraphicFramePr>
+          <p:cNvPr id="2" name="对象 1">
+            <a:hlinkClick r:id="" action="ppaction://ole?verb="/>
+          </p:cNvPr>
+          <p:cNvGraphicFramePr>
+            <a:graphicFrameLocks noChangeAspect="1"/>
+          </p:cNvGraphicFramePr>
+          <p:nvPr/>
+        </p:nvGraphicFramePr>
+        <p:xfrm>
+          <a:off x="906780" y="210820"/>
+          <a:ext cx="7345680" cy="958215"/>
+        </p:xfrm>
+        <a:graphic>
+          <a:graphicData uri="http://schemas.openxmlformats.org/presentationml/2006/ole">
+            <mc:AlternateContent xmlns:mc="http://schemas.openxmlformats.org/markup-compatibility/2006">
+              <mc:Choice xmlns:v="urn:schemas-microsoft-com:vml" Requires="v">
+                <p:oleObj spid="_x0000_s1025" name="" r:id="rId1" imgW="3587750" imgH="467995" progId="Equation.KSEE3">
+                  <p:embed/>
+                </p:oleObj>
+              </mc:Choice>
+              <mc:Fallback>
+                <p:oleObj name="" r:id="rId1" imgW="3587750" imgH="467995" progId="Equation.KSEE3">
+                  <p:embed/>
+                  <p:pic>
+                    <p:nvPicPr>
+                      <p:cNvPr id="0" name="图片 1024"/>
+                      <p:cNvPicPr/>
+                      <p:nvPr/>
+                    </p:nvPicPr>
+                    <p:blipFill>
+                      <a:blip r:embed="rId2"/>
+                      <a:stretch>
+                        <a:fillRect/>
+                      </a:stretch>
+                    </p:blipFill>
+                    <p:spPr>
+                      <a:xfrm>
+                        <a:off x="906780" y="210820"/>
+                        <a:ext cx="7345680" cy="958215"/>
+                      </a:xfrm>
+                      <a:prstGeom prst="rect">
+                        <a:avLst/>
+                      </a:prstGeom>
+                    </p:spPr>
+                  </p:pic>
+                </p:oleObj>
+              </mc:Fallback>
+            </mc:AlternateContent>
+          </a:graphicData>
+        </a:graphic>
+      </p:graphicFrame>
+      <p:graphicFrame>
+        <p:nvGraphicFramePr>
+          <p:cNvPr id="3" name="对象 2">
+            <a:hlinkClick r:id="" action="ppaction://ole?verb="/>
+          </p:cNvPr>
+          <p:cNvGraphicFramePr>
+            <a:graphicFrameLocks noChangeAspect="1"/>
+          </p:cNvGraphicFramePr>
+          <p:nvPr/>
+        </p:nvGraphicFramePr>
+        <p:xfrm>
+          <a:off x="906780" y="1873885"/>
+          <a:ext cx="6861175" cy="508000"/>
+        </p:xfrm>
+        <a:graphic>
+          <a:graphicData uri="http://schemas.openxmlformats.org/presentationml/2006/ole">
+            <mc:AlternateContent xmlns:mc="http://schemas.openxmlformats.org/markup-compatibility/2006">
+              <mc:Choice xmlns:v="urn:schemas-microsoft-com:vml" Requires="v">
+                <p:oleObj spid="_x0000_s1026" name="" r:id="rId3" imgW="3086100" imgH="228600" progId="Equation.KSEE3">
+                  <p:embed/>
+                </p:oleObj>
+              </mc:Choice>
+              <mc:Fallback>
+                <p:oleObj name="" r:id="rId3" imgW="3086100" imgH="228600" progId="Equation.KSEE3">
+                  <p:embed/>
+                  <p:pic>
+                    <p:nvPicPr>
+                      <p:cNvPr id="0" name="图片 1025"/>
+                      <p:cNvPicPr/>
+                      <p:nvPr/>
+                    </p:nvPicPr>
+                    <p:blipFill>
+                      <a:blip r:embed="rId4"/>
+                      <a:stretch>
+                        <a:fillRect/>
+                      </a:stretch>
+                    </p:blipFill>
+                    <p:spPr>
+                      <a:xfrm>
+                        <a:off x="906780" y="1873885"/>
+                        <a:ext cx="6861175" cy="508000"/>
+                      </a:xfrm>
+                      <a:prstGeom prst="rect">
+                        <a:avLst/>
+                      </a:prstGeom>
+                    </p:spPr>
+                  </p:pic>
+                </p:oleObj>
+              </mc:Fallback>
+            </mc:AlternateContent>
+          </a:graphicData>
+        </a:graphic>
+      </p:graphicFrame>
+      <p:graphicFrame>
+        <p:nvGraphicFramePr>
+          <p:cNvPr id="4" name="对象 3">
+            <a:hlinkClick r:id="" action="ppaction://ole?verb="/>
+          </p:cNvPr>
+          <p:cNvGraphicFramePr>
+            <a:graphicFrameLocks noChangeAspect="1"/>
+          </p:cNvGraphicFramePr>
+          <p:nvPr/>
+        </p:nvGraphicFramePr>
+        <p:xfrm>
+          <a:off x="906780" y="2381885"/>
+          <a:ext cx="2244725" cy="1172845"/>
+        </p:xfrm>
+        <a:graphic>
+          <a:graphicData uri="http://schemas.openxmlformats.org/presentationml/2006/ole">
+            <mc:AlternateContent xmlns:mc="http://schemas.openxmlformats.org/markup-compatibility/2006">
+              <mc:Choice xmlns:v="urn:schemas-microsoft-com:vml" Requires="v">
+                <p:oleObj spid="_x0000_s1027" name="" r:id="rId5" imgW="850900" imgH="444500" progId="Equation.KSEE3">
+                  <p:embed/>
+                </p:oleObj>
+              </mc:Choice>
+              <mc:Fallback>
+                <p:oleObj name="" r:id="rId5" imgW="850900" imgH="444500" progId="Equation.KSEE3">
+                  <p:embed/>
+                  <p:pic>
+                    <p:nvPicPr>
+                      <p:cNvPr id="0" name="图片 1026"/>
+                      <p:cNvPicPr/>
+                      <p:nvPr/>
+                    </p:nvPicPr>
+                    <p:blipFill>
+                      <a:blip r:embed="rId6"/>
+                      <a:stretch>
+                        <a:fillRect/>
+                      </a:stretch>
+                    </p:blipFill>
+                    <p:spPr>
+                      <a:xfrm>
+                        <a:off x="906780" y="2381885"/>
+                        <a:ext cx="2244725" cy="1172845"/>
+                      </a:xfrm>
+                      <a:prstGeom prst="rect">
+                        <a:avLst/>
+                      </a:prstGeom>
+                    </p:spPr>
+                  </p:pic>
+                </p:oleObj>
+              </mc:Fallback>
+            </mc:AlternateContent>
+          </a:graphicData>
+        </a:graphic>
+      </p:graphicFrame>
+      <p:sp>
+        <p:nvSpPr>
+          <p:cNvPr id="5" name="文本框 4"/>
+          <p:cNvSpPr txBox="1"/>
+          <p:nvPr/>
+        </p:nvSpPr>
+        <p:spPr>
+          <a:xfrm>
+            <a:off x="517525" y="1319530"/>
+            <a:ext cx="2840990" cy="368300"/>
+          </a:xfrm>
+          <a:prstGeom prst="rect">
+            <a:avLst/>
+          </a:prstGeom>
+          <a:noFill/>
+        </p:spPr>
+        <p:txBody>
+          <a:bodyPr wrap="square" rtlCol="0">
+            <a:spAutoFit/>
+          </a:bodyPr>
+          <a:p>
+            <a:r>
+              <a:rPr lang="zh-CN" altLang="en-US"/>
+              <a:t>权重初始化使用的公式：</a:t>
+            </a:r>
+            <a:endParaRPr lang="zh-CN" altLang="en-US"/>
+          </a:p>
+        </p:txBody>
+      </p:sp>
+      <p:graphicFrame>
+        <p:nvGraphicFramePr>
+          <p:cNvPr id="6" name="对象 5">
+            <a:hlinkClick r:id="" action="ppaction://ole?verb="/>
+          </p:cNvPr>
+          <p:cNvGraphicFramePr>
+            <a:graphicFrameLocks noChangeAspect="1"/>
+          </p:cNvGraphicFramePr>
+          <p:nvPr/>
+        </p:nvGraphicFramePr>
+        <p:xfrm>
+          <a:off x="906463" y="5475288"/>
+          <a:ext cx="6821805" cy="995045"/>
+        </p:xfrm>
+        <a:graphic>
+          <a:graphicData uri="http://schemas.openxmlformats.org/presentationml/2006/ole">
+            <mc:AlternateContent xmlns:mc="http://schemas.openxmlformats.org/markup-compatibility/2006">
+              <mc:Choice xmlns:v="urn:schemas-microsoft-com:vml" Requires="v">
+                <p:oleObj spid="_x0000_s1028" name="" r:id="rId7" imgW="2781300" imgH="405765" progId="Equation.KSEE3">
+                  <p:embed/>
+                </p:oleObj>
+              </mc:Choice>
+              <mc:Fallback>
+                <p:oleObj name="" r:id="rId7" imgW="2781300" imgH="405765" progId="Equation.KSEE3">
+                  <p:embed/>
+                  <p:pic>
+                    <p:nvPicPr>
+                      <p:cNvPr id="0" name="图片 1027"/>
+                      <p:cNvPicPr/>
+                      <p:nvPr/>
+                    </p:nvPicPr>
+                    <p:blipFill>
+                      <a:blip r:embed="rId8"/>
+                      <a:stretch>
+                        <a:fillRect/>
+                      </a:stretch>
+                    </p:blipFill>
+                    <p:spPr>
+                      <a:xfrm>
+                        <a:off x="906463" y="5475288"/>
+                        <a:ext cx="6821805" cy="995045"/>
+                      </a:xfrm>
+                      <a:prstGeom prst="rect">
+                        <a:avLst/>
+                      </a:prstGeom>
+                    </p:spPr>
+                  </p:pic>
+                </p:oleObj>
+              </mc:Fallback>
+            </mc:AlternateContent>
+          </a:graphicData>
+        </a:graphic>
+      </p:graphicFrame>
+      <p:sp>
+        <p:nvSpPr>
+          <p:cNvPr id="8" name="文本框 7"/>
+          <p:cNvSpPr txBox="1"/>
+          <p:nvPr/>
+        </p:nvSpPr>
+        <p:spPr>
+          <a:xfrm>
+            <a:off x="517525" y="3740150"/>
+            <a:ext cx="2840990" cy="368300"/>
+          </a:xfrm>
+          <a:prstGeom prst="rect">
+            <a:avLst/>
+          </a:prstGeom>
+          <a:noFill/>
+        </p:spPr>
+        <p:txBody>
+          <a:bodyPr wrap="square" rtlCol="0">
+            <a:spAutoFit/>
+          </a:bodyPr>
+          <a:p>
+            <a:r>
+              <a:rPr lang="zh-CN" altLang="en-US"/>
+              <a:t>导数定义</a:t>
+            </a:r>
+            <a:endParaRPr lang="zh-CN" altLang="en-US"/>
+          </a:p>
+        </p:txBody>
+      </p:sp>
+      <p:graphicFrame>
+        <p:nvGraphicFramePr>
+          <p:cNvPr id="9" name="对象 8">
+            <a:hlinkClick r:id="" action="ppaction://ole?verb="/>
+          </p:cNvPr>
+          <p:cNvGraphicFramePr>
+            <a:graphicFrameLocks noChangeAspect="1"/>
+          </p:cNvGraphicFramePr>
+          <p:nvPr/>
+        </p:nvGraphicFramePr>
+        <p:xfrm>
+          <a:off x="906780" y="4317683"/>
+          <a:ext cx="4141470" cy="965835"/>
+        </p:xfrm>
+        <a:graphic>
+          <a:graphicData uri="http://schemas.openxmlformats.org/presentationml/2006/ole">
+            <mc:AlternateContent xmlns:mc="http://schemas.openxmlformats.org/markup-compatibility/2006">
+              <mc:Choice xmlns:v="urn:schemas-microsoft-com:vml" Requires="v">
+                <p:oleObj spid="_x0000_s7" name="" r:id="rId9" imgW="1688465" imgH="393700" progId="Equation.KSEE3">
+                  <p:embed/>
+                </p:oleObj>
+              </mc:Choice>
+              <mc:Fallback>
+                <p:oleObj name="" r:id="rId9" imgW="1688465" imgH="393700" progId="Equation.KSEE3">
+                  <p:embed/>
+                  <p:pic>
+                    <p:nvPicPr>
+                      <p:cNvPr id="0" name="图片 1027"/>
+                      <p:cNvPicPr/>
+                      <p:nvPr/>
+                    </p:nvPicPr>
+                    <p:blipFill>
+                      <a:blip r:embed="rId10"/>
+                      <a:stretch>
+                        <a:fillRect/>
+                      </a:stretch>
+                    </p:blipFill>
+                    <p:spPr>
+                      <a:xfrm>
+                        <a:off x="906780" y="4317683"/>
+                        <a:ext cx="4141470" cy="965835"/>
+                      </a:xfrm>
+                      <a:prstGeom prst="rect">
+                        <a:avLst/>
+                      </a:prstGeom>
+                    </p:spPr>
+                  </p:pic>
+                </p:oleObj>
+              </mc:Fallback>
+            </mc:AlternateContent>
+          </a:graphicData>
+        </a:graphic>
+      </p:graphicFrame>
+      <p:graphicFrame>
+        <p:nvGraphicFramePr>
+          <p:cNvPr id="10" name="对象 9">
+            <a:hlinkClick r:id="" action="ppaction://ole?verb="/>
+          </p:cNvPr>
+          <p:cNvGraphicFramePr>
+            <a:graphicFrameLocks noChangeAspect="1"/>
+          </p:cNvGraphicFramePr>
+          <p:nvPr/>
+        </p:nvGraphicFramePr>
+        <p:xfrm>
+          <a:off x="5638800" y="3321050"/>
+          <a:ext cx="914400" cy="215900"/>
+        </p:xfrm>
+        <a:graphic>
+          <a:graphicData uri="http://schemas.openxmlformats.org/presentationml/2006/ole">
+            <mc:AlternateContent xmlns:mc="http://schemas.openxmlformats.org/markup-compatibility/2006">
+              <mc:Choice xmlns:v="urn:schemas-microsoft-com:vml" Requires="v">
+                <p:oleObj spid="_x0000_s1029" name="" r:id="rId11" imgW="914400" imgH="215900" progId="Equation.KSEE3">
+                  <p:embed/>
+                </p:oleObj>
+              </mc:Choice>
+              <mc:Fallback>
+                <p:oleObj name="" r:id="rId11" imgW="914400" imgH="215900" progId="Equation.KSEE3">
+                  <p:embed/>
+                  <p:pic>
+                    <p:nvPicPr>
+                      <p:cNvPr id="0" name="图片 1028"/>
+                      <p:cNvPicPr/>
+                      <p:nvPr/>
+                    </p:nvPicPr>
+                    <p:blipFill>
+                      <a:blip r:embed="rId12"/>
+                      <a:stretch>
+                        <a:fillRect/>
+                      </a:stretch>
+                    </p:blipFill>
+                    <p:spPr>
+                      <a:xfrm>
+                        <a:off x="5638800" y="3321050"/>
+                        <a:ext cx="914400" cy="215900"/>
+                      </a:xfrm>
+                      <a:prstGeom prst="rect">
+                        <a:avLst/>
+                      </a:prstGeom>
+                    </p:spPr>
+                  </p:pic>
+                </p:oleObj>
+              </mc:Fallback>
+            </mc:AlternateContent>
+          </a:graphicData>
+        </a:graphic>
+      </p:graphicFrame>
+    </p:spTree>
+  </p:cSld>
+  <p:clrMapOvr>
+    <a:masterClrMapping/>
+  </p:clrMapOvr>
+</p:sld>
+</file>
+
+<file path=ppt/slides/slide7.xml><?xml version="1.0" encoding="utf-8"?>
+<p:sld xmlns:a="http://schemas.openxmlformats.org/drawingml/2006/main" xmlns:r="http://schemas.openxmlformats.org/officeDocument/2006/relationships" xmlns:p="http://schemas.openxmlformats.org/presentationml/2006/main">
+  <p:cSld>
+    <p:spTree>
+      <p:nvGrpSpPr>
+        <p:cNvPr id="1" name=""/>
+        <p:cNvGrpSpPr/>
+        <p:nvPr/>
+      </p:nvGrpSpPr>
+      <p:grpSpPr/>
+      <p:graphicFrame>
+        <p:nvGraphicFramePr>
+          <p:cNvPr id="2" name="对象 1">
+            <a:hlinkClick r:id="" action="ppaction://ole?verb="/>
+          </p:cNvPr>
+          <p:cNvGraphicFramePr>
+            <a:graphicFrameLocks noChangeAspect="1"/>
+          </p:cNvGraphicFramePr>
+          <p:nvPr/>
+        </p:nvGraphicFramePr>
+        <p:xfrm>
+          <a:off x="458470" y="297815"/>
+          <a:ext cx="7127875" cy="704850"/>
+        </p:xfrm>
+        <a:graphic>
+          <a:graphicData uri="http://schemas.openxmlformats.org/presentationml/2006/ole">
+            <mc:AlternateContent xmlns:mc="http://schemas.openxmlformats.org/markup-compatibility/2006">
+              <mc:Choice xmlns:v="urn:schemas-microsoft-com:vml" Requires="v">
+                <p:oleObj spid="_x0000_s2049" name="" r:id="rId1" imgW="2311400" imgH="228600" progId="Equation.KSEE3">
+                  <p:embed/>
+                </p:oleObj>
+              </mc:Choice>
+              <mc:Fallback>
+                <p:oleObj name="" r:id="rId1" imgW="2311400" imgH="228600" progId="Equation.KSEE3">
+                  <p:embed/>
+                  <p:pic>
+                    <p:nvPicPr>
+                      <p:cNvPr id="0" name="图片 2048"/>
+                      <p:cNvPicPr/>
+                      <p:nvPr/>
+                    </p:nvPicPr>
+                    <p:blipFill>
+                      <a:blip r:embed="rId2"/>
+                      <a:stretch>
+                        <a:fillRect/>
+                      </a:stretch>
+                    </p:blipFill>
+                    <p:spPr>
+                      <a:xfrm>
+                        <a:off x="458470" y="297815"/>
+                        <a:ext cx="7127875" cy="704850"/>
+                      </a:xfrm>
+                      <a:prstGeom prst="rect">
+                        <a:avLst/>
+                      </a:prstGeom>
+                    </p:spPr>
+                  </p:pic>
+                </p:oleObj>
+              </mc:Fallback>
+            </mc:AlternateContent>
+          </a:graphicData>
+        </a:graphic>
+      </p:graphicFrame>
+      <p:graphicFrame>
+        <p:nvGraphicFramePr>
+          <p:cNvPr id="3" name="对象 2">
+            <a:hlinkClick r:id="" action="ppaction://ole?verb="/>
+          </p:cNvPr>
+          <p:cNvGraphicFramePr>
+            <a:graphicFrameLocks noChangeAspect="1"/>
+          </p:cNvGraphicFramePr>
+          <p:nvPr/>
+        </p:nvGraphicFramePr>
+        <p:xfrm>
+          <a:off x="458153" y="1201420"/>
+          <a:ext cx="9047480" cy="704850"/>
+        </p:xfrm>
+        <a:graphic>
+          <a:graphicData uri="http://schemas.openxmlformats.org/presentationml/2006/ole">
+            <mc:AlternateContent xmlns:mc="http://schemas.openxmlformats.org/markup-compatibility/2006">
+              <mc:Choice xmlns:v="urn:schemas-microsoft-com:vml" Requires="v">
+                <p:oleObj spid="_x0000_s4" name="" r:id="rId3" imgW="2933700" imgH="228600" progId="Equation.KSEE3">
+                  <p:embed/>
+                </p:oleObj>
+              </mc:Choice>
+              <mc:Fallback>
+                <p:oleObj name="" r:id="rId3" imgW="2933700" imgH="228600" progId="Equation.KSEE3">
+                  <p:embed/>
+                  <p:pic>
+                    <p:nvPicPr>
+                      <p:cNvPr id="0" name="图片 2048"/>
+                      <p:cNvPicPr/>
+                      <p:nvPr/>
+                    </p:nvPicPr>
+                    <p:blipFill>
+                      <a:blip r:embed="rId4"/>
+                      <a:stretch>
+                        <a:fillRect/>
+                      </a:stretch>
+                    </p:blipFill>
+                    <p:spPr>
+                      <a:xfrm>
+                        <a:off x="458153" y="1201420"/>
+                        <a:ext cx="9047480" cy="704850"/>
+                      </a:xfrm>
+                      <a:prstGeom prst="rect">
+                        <a:avLst/>
+                      </a:prstGeom>
+                    </p:spPr>
+                  </p:pic>
+                </p:oleObj>
+              </mc:Fallback>
+            </mc:AlternateContent>
+          </a:graphicData>
+        </a:graphic>
+      </p:graphicFrame>
+      <p:graphicFrame>
+        <p:nvGraphicFramePr>
+          <p:cNvPr id="5" name="对象 4">
+            <a:hlinkClick r:id="" action="ppaction://ole?verb="/>
+          </p:cNvPr>
+          <p:cNvGraphicFramePr>
+            <a:graphicFrameLocks noChangeAspect="1"/>
+          </p:cNvGraphicFramePr>
+          <p:nvPr/>
+        </p:nvGraphicFramePr>
+        <p:xfrm>
+          <a:off x="600710" y="2241550"/>
+          <a:ext cx="7531735" cy="1348740"/>
+        </p:xfrm>
+        <a:graphic>
+          <a:graphicData uri="http://schemas.openxmlformats.org/presentationml/2006/ole">
+            <mc:AlternateContent xmlns:mc="http://schemas.openxmlformats.org/markup-compatibility/2006">
+              <mc:Choice xmlns:v="urn:schemas-microsoft-com:vml" Requires="v">
+                <p:oleObj spid="_x0000_s2050" name="" r:id="rId5" imgW="3403600" imgH="609600" progId="Equation.KSEE3">
+                  <p:embed/>
+                </p:oleObj>
+              </mc:Choice>
+              <mc:Fallback>
+                <p:oleObj name="" r:id="rId5" imgW="3403600" imgH="609600" progId="Equation.KSEE3">
+                  <p:embed/>
+                  <p:pic>
+                    <p:nvPicPr>
+                      <p:cNvPr id="0" name="图片 2049"/>
+                      <p:cNvPicPr/>
+                      <p:nvPr/>
+                    </p:nvPicPr>
+                    <p:blipFill>
+                      <a:blip r:embed="rId6"/>
+                      <a:stretch>
+                        <a:fillRect/>
+                      </a:stretch>
+                    </p:blipFill>
+                    <p:spPr>
+                      <a:xfrm>
+                        <a:off x="600710" y="2241550"/>
+                        <a:ext cx="7531735" cy="1348740"/>
+                      </a:xfrm>
+                      <a:prstGeom prst="rect">
+                        <a:avLst/>
+                      </a:prstGeom>
+                    </p:spPr>
+                  </p:pic>
+                </p:oleObj>
+              </mc:Fallback>
+            </mc:AlternateContent>
+          </a:graphicData>
+        </a:graphic>
+      </p:graphicFrame>
+      <p:graphicFrame>
+        <p:nvGraphicFramePr>
+          <p:cNvPr id="6" name="对象 5">
+            <a:hlinkClick r:id="" action="ppaction://ole?verb="/>
+          </p:cNvPr>
+          <p:cNvGraphicFramePr>
+            <a:graphicFrameLocks noChangeAspect="1"/>
+          </p:cNvGraphicFramePr>
+          <p:nvPr/>
+        </p:nvGraphicFramePr>
+        <p:xfrm>
+          <a:off x="600710" y="3935095"/>
+          <a:ext cx="7915275" cy="1664335"/>
+        </p:xfrm>
+        <a:graphic>
+          <a:graphicData uri="http://schemas.openxmlformats.org/presentationml/2006/ole">
+            <mc:AlternateContent xmlns:mc="http://schemas.openxmlformats.org/markup-compatibility/2006">
+              <mc:Choice xmlns:v="urn:schemas-microsoft-com:vml" Requires="v">
+                <p:oleObj spid="_x0000_s2051" name="" r:id="rId7" imgW="2234565" imgH="469900" progId="Equation.KSEE3">
+                  <p:embed/>
+                </p:oleObj>
+              </mc:Choice>
+              <mc:Fallback>
+                <p:oleObj name="" r:id="rId7" imgW="2234565" imgH="469900" progId="Equation.KSEE3">
+                  <p:embed/>
+                  <p:pic>
+                    <p:nvPicPr>
+                      <p:cNvPr id="0" name="图片 2050"/>
+                      <p:cNvPicPr/>
+                      <p:nvPr/>
+                    </p:nvPicPr>
+                    <p:blipFill>
+                      <a:blip r:embed="rId8"/>
+                      <a:stretch>
+                        <a:fillRect/>
+                      </a:stretch>
+                    </p:blipFill>
+                    <p:spPr>
+                      <a:xfrm>
+                        <a:off x="600710" y="3935095"/>
+                        <a:ext cx="7915275" cy="1664335"/>
+                      </a:xfrm>
+                      <a:prstGeom prst="rect">
+                        <a:avLst/>
+                      </a:prstGeom>
+                    </p:spPr>
+                  </p:pic>
+                </p:oleObj>
+              </mc:Fallback>
+            </mc:AlternateContent>
+          </a:graphicData>
+        </a:graphic>
+      </p:graphicFrame>
+    </p:spTree>
+  </p:cSld>
+  <p:clrMapOvr>
+    <a:masterClrMapping/>
+  </p:clrMapOvr>
+</p:sld>
+</file>
+
+<file path=ppt/slides/slide8.xml><?xml version="1.0" encoding="utf-8"?>
+<p:sld xmlns:a="http://schemas.openxmlformats.org/drawingml/2006/main" xmlns:r="http://schemas.openxmlformats.org/officeDocument/2006/relationships" xmlns:p="http://schemas.openxmlformats.org/presentationml/2006/main">
+  <p:cSld>
+    <p:spTree>
+      <p:nvGrpSpPr>
+        <p:cNvPr id="1" name=""/>
+        <p:cNvGrpSpPr/>
+        <p:nvPr/>
+      </p:nvGrpSpPr>
+      <p:grpSpPr/>
+      <p:graphicFrame>
+        <p:nvGraphicFramePr>
+          <p:cNvPr id="2" name="对象 1">
+            <a:hlinkClick r:id="" action="ppaction://ole?verb="/>
+          </p:cNvPr>
+          <p:cNvGraphicFramePr>
+            <a:graphicFrameLocks noChangeAspect="1"/>
+          </p:cNvGraphicFramePr>
+          <p:nvPr/>
+        </p:nvGraphicFramePr>
+        <p:xfrm>
+          <a:off x="550545" y="294005"/>
+          <a:ext cx="1422400" cy="482600"/>
+        </p:xfrm>
+        <a:graphic>
+          <a:graphicData uri="http://schemas.openxmlformats.org/presentationml/2006/ole">
+            <mc:AlternateContent xmlns:mc="http://schemas.openxmlformats.org/markup-compatibility/2006">
+              <mc:Choice xmlns:v="urn:schemas-microsoft-com:vml" Requires="v">
+                <p:oleObj spid="_x0000_s1025" name="" r:id="rId1" imgW="1422400" imgH="482600" progId="Equation.KSEE3">
+                  <p:embed/>
+                </p:oleObj>
+              </mc:Choice>
+              <mc:Fallback>
+                <p:oleObj name="" r:id="rId1" imgW="1422400" imgH="482600" progId="Equation.KSEE3">
+                  <p:embed/>
+                  <p:pic>
+                    <p:nvPicPr>
+                      <p:cNvPr id="0" name="图片 1024"/>
+                      <p:cNvPicPr/>
+                      <p:nvPr/>
+                    </p:nvPicPr>
+                    <p:blipFill>
+                      <a:blip r:embed="rId2"/>
+                      <a:stretch>
+                        <a:fillRect/>
+                      </a:stretch>
+                    </p:blipFill>
+                    <p:spPr>
+                      <a:xfrm>
+                        <a:off x="550545" y="294005"/>
+                        <a:ext cx="1422400" cy="482600"/>
+                      </a:xfrm>
+                      <a:prstGeom prst="rect">
+                        <a:avLst/>
+                      </a:prstGeom>
+                    </p:spPr>
+                  </p:pic>
+                </p:oleObj>
+              </mc:Fallback>
+            </mc:AlternateContent>
+          </a:graphicData>
+        </a:graphic>
+      </p:graphicFrame>
+      <p:graphicFrame>
+        <p:nvGraphicFramePr>
+          <p:cNvPr id="3" name="对象 2">
+            <a:hlinkClick r:id="" action="ppaction://ole?verb="/>
+          </p:cNvPr>
+          <p:cNvGraphicFramePr>
+            <a:graphicFrameLocks noChangeAspect="1"/>
+          </p:cNvGraphicFramePr>
+          <p:nvPr/>
+        </p:nvGraphicFramePr>
+        <p:xfrm>
+          <a:off x="550545" y="1080770"/>
+          <a:ext cx="2679700" cy="990600"/>
+        </p:xfrm>
+        <a:graphic>
+          <a:graphicData uri="http://schemas.openxmlformats.org/presentationml/2006/ole">
+            <mc:AlternateContent xmlns:mc="http://schemas.openxmlformats.org/markup-compatibility/2006">
+              <mc:Choice xmlns:v="urn:schemas-microsoft-com:vml" Requires="v">
+                <p:oleObj spid="_x0000_s1026" name="" r:id="rId3" imgW="2679700" imgH="990600" progId="Equation.KSEE3">
+                  <p:embed/>
+                </p:oleObj>
+              </mc:Choice>
+              <mc:Fallback>
+                <p:oleObj name="" r:id="rId3" imgW="2679700" imgH="990600" progId="Equation.KSEE3">
+                  <p:embed/>
+                  <p:pic>
+                    <p:nvPicPr>
+                      <p:cNvPr id="0" name="图片 1025"/>
+                      <p:cNvPicPr/>
+                      <p:nvPr/>
+                    </p:nvPicPr>
+                    <p:blipFill>
+                      <a:blip r:embed="rId4"/>
+                      <a:stretch>
+                        <a:fillRect/>
+                      </a:stretch>
+                    </p:blipFill>
+                    <p:spPr>
+                      <a:xfrm>
+                        <a:off x="550545" y="1080770"/>
+                        <a:ext cx="2679700" cy="990600"/>
+                      </a:xfrm>
+                      <a:prstGeom prst="rect">
+                        <a:avLst/>
+                      </a:prstGeom>
+                    </p:spPr>
+                  </p:pic>
+                </p:oleObj>
+              </mc:Fallback>
+            </mc:AlternateContent>
+          </a:graphicData>
+        </a:graphic>
+      </p:graphicFrame>
+      <p:graphicFrame>
+        <p:nvGraphicFramePr>
+          <p:cNvPr id="4" name="对象 3">
+            <a:hlinkClick r:id="" action="ppaction://ole?verb="/>
+          </p:cNvPr>
+          <p:cNvGraphicFramePr>
+            <a:graphicFrameLocks noChangeAspect="1"/>
+          </p:cNvGraphicFramePr>
+          <p:nvPr/>
+        </p:nvGraphicFramePr>
+        <p:xfrm>
+          <a:off x="5638800" y="3321050"/>
+          <a:ext cx="914400" cy="215900"/>
+        </p:xfrm>
+        <a:graphic>
+          <a:graphicData uri="http://schemas.openxmlformats.org/presentationml/2006/ole">
+            <mc:AlternateContent xmlns:mc="http://schemas.openxmlformats.org/markup-compatibility/2006">
+              <mc:Choice xmlns:v="urn:schemas-microsoft-com:vml" Requires="v">
+                <p:oleObj spid="_x0000_s1027" name="" r:id="rId5" imgW="914400" imgH="215900" progId="Equation.KSEE3">
+                  <p:embed/>
+                </p:oleObj>
+              </mc:Choice>
+              <mc:Fallback>
+                <p:oleObj name="" r:id="rId5" imgW="914400" imgH="215900" progId="Equation.KSEE3">
+                  <p:embed/>
+                  <p:pic>
+                    <p:nvPicPr>
+                      <p:cNvPr id="0" name="图片 1026"/>
+                      <p:cNvPicPr/>
+                      <p:nvPr/>
+                    </p:nvPicPr>
+                    <p:blipFill>
+                      <a:blip r:embed="rId6"/>
+                      <a:stretch>
+                        <a:fillRect/>
+                      </a:stretch>
+                    </p:blipFill>
+                    <p:spPr>
+                      <a:xfrm>
+                        <a:off x="5638800" y="3321050"/>
+                        <a:ext cx="914400" cy="215900"/>
+                      </a:xfrm>
+                      <a:prstGeom prst="rect">
+                        <a:avLst/>
+                      </a:prstGeom>
+                    </p:spPr>
+                  </p:pic>
+                </p:oleObj>
+              </mc:Fallback>
+            </mc:AlternateContent>
+          </a:graphicData>
+        </a:graphic>
+      </p:graphicFrame>
+      <p:graphicFrame>
+        <p:nvGraphicFramePr>
+          <p:cNvPr id="8" name="对象 7">
+            <a:hlinkClick r:id="" action="ppaction://ole?verb="/>
+          </p:cNvPr>
+          <p:cNvGraphicFramePr>
+            <a:graphicFrameLocks noChangeAspect="1"/>
+          </p:cNvGraphicFramePr>
+          <p:nvPr/>
+        </p:nvGraphicFramePr>
+        <p:xfrm>
+          <a:off x="550546" y="2272665"/>
+          <a:ext cx="1447800" cy="1625600"/>
+        </p:xfrm>
+        <a:graphic>
+          <a:graphicData uri="http://schemas.openxmlformats.org/presentationml/2006/ole">
+            <mc:AlternateContent xmlns:mc="http://schemas.openxmlformats.org/markup-compatibility/2006">
+              <mc:Choice xmlns:v="urn:schemas-microsoft-com:vml" Requires="v">
+                <p:oleObj spid="_x0000_s1028" name="" r:id="rId7" imgW="1447800" imgH="1625600" progId="Equation.KSEE3">
+                  <p:embed/>
+                </p:oleObj>
+              </mc:Choice>
+              <mc:Fallback>
+                <p:oleObj name="" r:id="rId7" imgW="1447800" imgH="1625600" progId="Equation.KSEE3">
+                  <p:embed/>
+                  <p:pic>
+                    <p:nvPicPr>
+                      <p:cNvPr id="0" name="图片 1027"/>
+                      <p:cNvPicPr/>
+                      <p:nvPr/>
+                    </p:nvPicPr>
+                    <p:blipFill>
+                      <a:blip r:embed="rId8"/>
+                      <a:stretch>
+                        <a:fillRect/>
+                      </a:stretch>
+                    </p:blipFill>
+                    <p:spPr>
+                      <a:xfrm>
+                        <a:off x="550546" y="2272665"/>
+                        <a:ext cx="1447800" cy="1625600"/>
                       </a:xfrm>
                       <a:prstGeom prst="rect">
                         <a:avLst/>

--- a/人工智能/PowerPoint笔记/人工智能中使用的公式.pptx
+++ b/人工智能/PowerPoint笔记/人工智能中使用的公式.pptx
@@ -13,6 +13,8 @@
     <p:sldId id="264" r:id="rId8"/>
     <p:sldId id="265" r:id="rId9"/>
     <p:sldId id="266" r:id="rId10"/>
+    <p:sldId id="267" r:id="rId11"/>
+    <p:sldId id="268" r:id="rId12"/>
   </p:sldIdLst>
   <p:sldSz cx="12192000" cy="6858000"/>
   <p:notesSz cx="6858000" cy="9144000"/>
@@ -3149,6 +3151,77 @@
 </p:sld>
 </file>
 
+<file path=ppt/slides/slide10.xml><?xml version="1.0" encoding="utf-8"?>
+<p:sld xmlns:a="http://schemas.openxmlformats.org/drawingml/2006/main" xmlns:r="http://schemas.openxmlformats.org/officeDocument/2006/relationships" xmlns:p="http://schemas.openxmlformats.org/presentationml/2006/main">
+  <p:cSld>
+    <p:spTree>
+      <p:nvGrpSpPr>
+        <p:cNvPr id="1" name=""/>
+        <p:cNvGrpSpPr/>
+        <p:nvPr/>
+      </p:nvGrpSpPr>
+      <p:grpSpPr/>
+      <p:graphicFrame>
+        <p:nvGraphicFramePr>
+          <p:cNvPr id="6" name="对象 5">
+            <a:hlinkClick r:id="" action="ppaction://ole?verb="/>
+          </p:cNvPr>
+          <p:cNvGraphicFramePr>
+            <a:graphicFrameLocks noChangeAspect="1"/>
+          </p:cNvGraphicFramePr>
+          <p:nvPr/>
+        </p:nvGraphicFramePr>
+        <p:xfrm>
+          <a:off x="4091940" y="865505"/>
+          <a:ext cx="3760470" cy="5126990"/>
+        </p:xfrm>
+        <a:graphic>
+          <a:graphicData uri="http://schemas.openxmlformats.org/presentationml/2006/ole">
+            <mc:AlternateContent xmlns:mc="http://schemas.openxmlformats.org/markup-compatibility/2006">
+              <mc:Choice xmlns:v="urn:schemas-microsoft-com:vml" Requires="v">
+                <p:oleObj spid="_x0000_s1026" name="" r:id="rId1" imgW="2527300" imgH="4191000" progId="Equation.KSEE3">
+                  <p:embed/>
+                </p:oleObj>
+              </mc:Choice>
+              <mc:Fallback>
+                <p:oleObj name="" r:id="rId1" imgW="2527300" imgH="4191000" progId="Equation.KSEE3">
+                  <p:embed/>
+                  <p:pic>
+                    <p:nvPicPr>
+                      <p:cNvPr id="0" name="图片 1025"/>
+                      <p:cNvPicPr/>
+                      <p:nvPr/>
+                    </p:nvPicPr>
+                    <p:blipFill>
+                      <a:blip r:embed="rId2"/>
+                      <a:stretch>
+                        <a:fillRect/>
+                      </a:stretch>
+                    </p:blipFill>
+                    <p:spPr>
+                      <a:xfrm>
+                        <a:off x="4091940" y="865505"/>
+                        <a:ext cx="3760470" cy="5126990"/>
+                      </a:xfrm>
+                      <a:prstGeom prst="rect">
+                        <a:avLst/>
+                      </a:prstGeom>
+                    </p:spPr>
+                  </p:pic>
+                </p:oleObj>
+              </mc:Fallback>
+            </mc:AlternateContent>
+          </a:graphicData>
+        </a:graphic>
+      </p:graphicFrame>
+    </p:spTree>
+  </p:cSld>
+  <p:clrMapOvr>
+    <a:masterClrMapping/>
+  </p:clrMapOvr>
+</p:sld>
+</file>
+
 <file path=ppt/slides/slide2.xml><?xml version="1.0" encoding="utf-8"?>
 <p:sld xmlns:a="http://schemas.openxmlformats.org/drawingml/2006/main" xmlns:r="http://schemas.openxmlformats.org/officeDocument/2006/relationships" xmlns:p="http://schemas.openxmlformats.org/presentationml/2006/main">
   <p:cSld>
@@ -5778,6 +5851,554 @@
                       <a:xfrm>
                         <a:off x="550546" y="2272665"/>
                         <a:ext cx="1447800" cy="1625600"/>
+                      </a:xfrm>
+                      <a:prstGeom prst="rect">
+                        <a:avLst/>
+                      </a:prstGeom>
+                    </p:spPr>
+                  </p:pic>
+                </p:oleObj>
+              </mc:Fallback>
+            </mc:AlternateContent>
+          </a:graphicData>
+        </a:graphic>
+      </p:graphicFrame>
+      <p:graphicFrame>
+        <p:nvGraphicFramePr>
+          <p:cNvPr id="5" name="对象 4">
+            <a:hlinkClick r:id="" action="ppaction://ole?verb="/>
+          </p:cNvPr>
+          <p:cNvGraphicFramePr>
+            <a:graphicFrameLocks noChangeAspect="1"/>
+          </p:cNvGraphicFramePr>
+          <p:nvPr/>
+        </p:nvGraphicFramePr>
+        <p:xfrm>
+          <a:off x="5021263" y="294005"/>
+          <a:ext cx="1231265" cy="228600"/>
+        </p:xfrm>
+        <a:graphic>
+          <a:graphicData uri="http://schemas.openxmlformats.org/presentationml/2006/ole">
+            <mc:AlternateContent xmlns:mc="http://schemas.openxmlformats.org/markup-compatibility/2006">
+              <mc:Choice xmlns:v="urn:schemas-microsoft-com:vml" Requires="v">
+                <p:oleObj spid="_x0000_s1029" name="" r:id="rId9" imgW="1231265" imgH="228600" progId="Equation.KSEE3">
+                  <p:embed/>
+                </p:oleObj>
+              </mc:Choice>
+              <mc:Fallback>
+                <p:oleObj name="" r:id="rId9" imgW="1231265" imgH="228600" progId="Equation.KSEE3">
+                  <p:embed/>
+                  <p:pic>
+                    <p:nvPicPr>
+                      <p:cNvPr id="0" name="图片 1028"/>
+                      <p:cNvPicPr/>
+                      <p:nvPr/>
+                    </p:nvPicPr>
+                    <p:blipFill>
+                      <a:blip r:embed="rId10"/>
+                      <a:stretch>
+                        <a:fillRect/>
+                      </a:stretch>
+                    </p:blipFill>
+                    <p:spPr>
+                      <a:xfrm>
+                        <a:off x="5021263" y="294005"/>
+                        <a:ext cx="1231265" cy="228600"/>
+                      </a:xfrm>
+                      <a:prstGeom prst="rect">
+                        <a:avLst/>
+                      </a:prstGeom>
+                    </p:spPr>
+                  </p:pic>
+                </p:oleObj>
+              </mc:Fallback>
+            </mc:AlternateContent>
+          </a:graphicData>
+        </a:graphic>
+      </p:graphicFrame>
+      <p:graphicFrame>
+        <p:nvGraphicFramePr>
+          <p:cNvPr id="6" name="对象 5">
+            <a:hlinkClick r:id="" action="ppaction://ole?verb="/>
+          </p:cNvPr>
+          <p:cNvGraphicFramePr>
+            <a:graphicFrameLocks noChangeAspect="1"/>
+          </p:cNvGraphicFramePr>
+          <p:nvPr/>
+        </p:nvGraphicFramePr>
+        <p:xfrm>
+          <a:off x="4490720" y="1080770"/>
+          <a:ext cx="7261860" cy="2574925"/>
+        </p:xfrm>
+        <a:graphic>
+          <a:graphicData uri="http://schemas.openxmlformats.org/presentationml/2006/ole">
+            <mc:AlternateContent xmlns:mc="http://schemas.openxmlformats.org/markup-compatibility/2006">
+              <mc:Choice xmlns:v="urn:schemas-microsoft-com:vml" Requires="v">
+                <p:oleObj spid="_x0000_s7" name="" r:id="rId11" imgW="4762500" imgH="1688465" progId="Equation.KSEE3">
+                  <p:embed/>
+                </p:oleObj>
+              </mc:Choice>
+              <mc:Fallback>
+                <p:oleObj name="" r:id="rId11" imgW="4762500" imgH="1688465" progId="Equation.KSEE3">
+                  <p:embed/>
+                  <p:pic>
+                    <p:nvPicPr>
+                      <p:cNvPr id="0" name="图片 1025"/>
+                      <p:cNvPicPr/>
+                      <p:nvPr/>
+                    </p:nvPicPr>
+                    <p:blipFill>
+                      <a:blip r:embed="rId12"/>
+                      <a:stretch>
+                        <a:fillRect/>
+                      </a:stretch>
+                    </p:blipFill>
+                    <p:spPr>
+                      <a:xfrm>
+                        <a:off x="4490720" y="1080770"/>
+                        <a:ext cx="7261860" cy="2574925"/>
+                      </a:xfrm>
+                      <a:prstGeom prst="rect">
+                        <a:avLst/>
+                      </a:prstGeom>
+                    </p:spPr>
+                  </p:pic>
+                </p:oleObj>
+              </mc:Fallback>
+            </mc:AlternateContent>
+          </a:graphicData>
+        </a:graphic>
+      </p:graphicFrame>
+      <p:graphicFrame>
+        <p:nvGraphicFramePr>
+          <p:cNvPr id="9" name="对象 8">
+            <a:hlinkClick r:id="" action="ppaction://ole?verb="/>
+          </p:cNvPr>
+          <p:cNvGraphicFramePr>
+            <a:graphicFrameLocks noChangeAspect="1"/>
+          </p:cNvGraphicFramePr>
+          <p:nvPr/>
+        </p:nvGraphicFramePr>
+        <p:xfrm>
+          <a:off x="485775" y="4458970"/>
+          <a:ext cx="10364470" cy="514350"/>
+        </p:xfrm>
+        <a:graphic>
+          <a:graphicData uri="http://schemas.openxmlformats.org/presentationml/2006/ole">
+            <mc:AlternateContent xmlns:mc="http://schemas.openxmlformats.org/markup-compatibility/2006">
+              <mc:Choice xmlns:v="urn:schemas-microsoft-com:vml" Requires="v">
+                <p:oleObj spid="_x0000_s10" name="" r:id="rId13" imgW="4864100" imgH="241300" progId="Equation.KSEE3">
+                  <p:embed/>
+                </p:oleObj>
+              </mc:Choice>
+              <mc:Fallback>
+                <p:oleObj name="" r:id="rId13" imgW="4864100" imgH="241300" progId="Equation.KSEE3">
+                  <p:embed/>
+                  <p:pic>
+                    <p:nvPicPr>
+                      <p:cNvPr id="0" name="图片 1025"/>
+                      <p:cNvPicPr/>
+                      <p:nvPr/>
+                    </p:nvPicPr>
+                    <p:blipFill>
+                      <a:blip r:embed="rId14"/>
+                      <a:stretch>
+                        <a:fillRect/>
+                      </a:stretch>
+                    </p:blipFill>
+                    <p:spPr>
+                      <a:xfrm>
+                        <a:off x="485775" y="4458970"/>
+                        <a:ext cx="10364470" cy="514350"/>
+                      </a:xfrm>
+                      <a:prstGeom prst="rect">
+                        <a:avLst/>
+                      </a:prstGeom>
+                    </p:spPr>
+                  </p:pic>
+                </p:oleObj>
+              </mc:Fallback>
+            </mc:AlternateContent>
+          </a:graphicData>
+        </a:graphic>
+      </p:graphicFrame>
+      <p:graphicFrame>
+        <p:nvGraphicFramePr>
+          <p:cNvPr id="11" name="对象 10">
+            <a:hlinkClick r:id="" action="ppaction://ole?verb="/>
+          </p:cNvPr>
+          <p:cNvGraphicFramePr>
+            <a:graphicFrameLocks noChangeAspect="1"/>
+          </p:cNvGraphicFramePr>
+          <p:nvPr/>
+        </p:nvGraphicFramePr>
+        <p:xfrm>
+          <a:off x="5823268" y="3314700"/>
+          <a:ext cx="545465" cy="228600"/>
+        </p:xfrm>
+        <a:graphic>
+          <a:graphicData uri="http://schemas.openxmlformats.org/presentationml/2006/ole">
+            <mc:AlternateContent xmlns:mc="http://schemas.openxmlformats.org/markup-compatibility/2006">
+              <mc:Choice xmlns:v="urn:schemas-microsoft-com:vml" Requires="v">
+                <p:oleObj spid="_x0000_s1030" name="" r:id="rId15" imgW="545465" imgH="228600" progId="Equation.KSEE3">
+                  <p:embed/>
+                </p:oleObj>
+              </mc:Choice>
+              <mc:Fallback>
+                <p:oleObj name="" r:id="rId15" imgW="545465" imgH="228600" progId="Equation.KSEE3">
+                  <p:embed/>
+                  <p:pic>
+                    <p:nvPicPr>
+                      <p:cNvPr id="0" name="图片 1029"/>
+                      <p:cNvPicPr/>
+                      <p:nvPr/>
+                    </p:nvPicPr>
+                    <p:blipFill>
+                      <a:blip r:embed="rId16"/>
+                      <a:stretch>
+                        <a:fillRect/>
+                      </a:stretch>
+                    </p:blipFill>
+                    <p:spPr>
+                      <a:xfrm>
+                        <a:off x="5823268" y="3314700"/>
+                        <a:ext cx="545465" cy="228600"/>
+                      </a:xfrm>
+                      <a:prstGeom prst="rect">
+                        <a:avLst/>
+                      </a:prstGeom>
+                    </p:spPr>
+                  </p:pic>
+                </p:oleObj>
+              </mc:Fallback>
+            </mc:AlternateContent>
+          </a:graphicData>
+        </a:graphic>
+      </p:graphicFrame>
+    </p:spTree>
+  </p:cSld>
+  <p:clrMapOvr>
+    <a:masterClrMapping/>
+  </p:clrMapOvr>
+</p:sld>
+</file>
+
+<file path=ppt/slides/slide9.xml><?xml version="1.0" encoding="utf-8"?>
+<p:sld xmlns:a="http://schemas.openxmlformats.org/drawingml/2006/main" xmlns:r="http://schemas.openxmlformats.org/officeDocument/2006/relationships" xmlns:p="http://schemas.openxmlformats.org/presentationml/2006/main">
+  <p:cSld>
+    <p:spTree>
+      <p:nvGrpSpPr>
+        <p:cNvPr id="1" name=""/>
+        <p:cNvGrpSpPr/>
+        <p:nvPr/>
+      </p:nvGrpSpPr>
+      <p:grpSpPr/>
+      <p:graphicFrame>
+        <p:nvGraphicFramePr>
+          <p:cNvPr id="3" name="对象 2">
+            <a:hlinkClick r:id="" action="ppaction://ole?verb="/>
+          </p:cNvPr>
+          <p:cNvGraphicFramePr>
+            <a:graphicFrameLocks noChangeAspect="1"/>
+          </p:cNvGraphicFramePr>
+          <p:nvPr/>
+        </p:nvGraphicFramePr>
+        <p:xfrm>
+          <a:off x="506095" y="247650"/>
+          <a:ext cx="1865630" cy="1408430"/>
+        </p:xfrm>
+        <a:graphic>
+          <a:graphicData uri="http://schemas.openxmlformats.org/presentationml/2006/ole">
+            <mc:AlternateContent xmlns:mc="http://schemas.openxmlformats.org/markup-compatibility/2006">
+              <mc:Choice xmlns:v="urn:schemas-microsoft-com:vml" Requires="v">
+                <p:oleObj spid="_x0000_s2049" name="" r:id="rId1" imgW="1143000" imgH="862965" progId="Equation.KSEE3">
+                  <p:embed/>
+                </p:oleObj>
+              </mc:Choice>
+              <mc:Fallback>
+                <p:oleObj name="" r:id="rId1" imgW="1143000" imgH="862965" progId="Equation.KSEE3">
+                  <p:embed/>
+                  <p:pic>
+                    <p:nvPicPr>
+                      <p:cNvPr id="0" name="图片 2048"/>
+                      <p:cNvPicPr/>
+                      <p:nvPr/>
+                    </p:nvPicPr>
+                    <p:blipFill>
+                      <a:blip r:embed="rId2"/>
+                      <a:stretch>
+                        <a:fillRect/>
+                      </a:stretch>
+                    </p:blipFill>
+                    <p:spPr>
+                      <a:xfrm>
+                        <a:off x="506095" y="247650"/>
+                        <a:ext cx="1865630" cy="1408430"/>
+                      </a:xfrm>
+                      <a:prstGeom prst="rect">
+                        <a:avLst/>
+                      </a:prstGeom>
+                    </p:spPr>
+                  </p:pic>
+                </p:oleObj>
+              </mc:Fallback>
+            </mc:AlternateContent>
+          </a:graphicData>
+        </a:graphic>
+      </p:graphicFrame>
+      <p:graphicFrame>
+        <p:nvGraphicFramePr>
+          <p:cNvPr id="2" name="对象 1">
+            <a:hlinkClick r:id="" action="ppaction://ole?verb="/>
+          </p:cNvPr>
+          <p:cNvGraphicFramePr>
+            <a:graphicFrameLocks noChangeAspect="1"/>
+          </p:cNvGraphicFramePr>
+          <p:nvPr/>
+        </p:nvGraphicFramePr>
+        <p:xfrm>
+          <a:off x="622935" y="2273300"/>
+          <a:ext cx="1319530" cy="465455"/>
+        </p:xfrm>
+        <a:graphic>
+          <a:graphicData uri="http://schemas.openxmlformats.org/presentationml/2006/ole">
+            <mc:AlternateContent xmlns:mc="http://schemas.openxmlformats.org/markup-compatibility/2006">
+              <mc:Choice xmlns:v="urn:schemas-microsoft-com:vml" Requires="v">
+                <p:oleObj spid="_x0000_s4" name="" r:id="rId3" imgW="647700" imgH="228600" progId="Equation.KSEE3">
+                  <p:embed/>
+                </p:oleObj>
+              </mc:Choice>
+              <mc:Fallback>
+                <p:oleObj name="" r:id="rId3" imgW="647700" imgH="228600" progId="Equation.KSEE3">
+                  <p:embed/>
+                  <p:pic>
+                    <p:nvPicPr>
+                      <p:cNvPr id="0" name="图片 1027"/>
+                      <p:cNvPicPr/>
+                      <p:nvPr/>
+                    </p:nvPicPr>
+                    <p:blipFill>
+                      <a:blip r:embed="rId4"/>
+                      <a:stretch>
+                        <a:fillRect/>
+                      </a:stretch>
+                    </p:blipFill>
+                    <p:spPr>
+                      <a:xfrm>
+                        <a:off x="622935" y="2273300"/>
+                        <a:ext cx="1319530" cy="465455"/>
+                      </a:xfrm>
+                      <a:prstGeom prst="rect">
+                        <a:avLst/>
+                      </a:prstGeom>
+                    </p:spPr>
+                  </p:pic>
+                </p:oleObj>
+              </mc:Fallback>
+            </mc:AlternateContent>
+          </a:graphicData>
+        </a:graphic>
+      </p:graphicFrame>
+      <p:graphicFrame>
+        <p:nvGraphicFramePr>
+          <p:cNvPr id="7" name="对象 6">
+            <a:hlinkClick r:id="" action="ppaction://ole?verb="/>
+          </p:cNvPr>
+          <p:cNvGraphicFramePr>
+            <a:graphicFrameLocks noChangeAspect="1"/>
+          </p:cNvGraphicFramePr>
+          <p:nvPr/>
+        </p:nvGraphicFramePr>
+        <p:xfrm>
+          <a:off x="4060825" y="6090603"/>
+          <a:ext cx="1230630" cy="633730"/>
+        </p:xfrm>
+        <a:graphic>
+          <a:graphicData uri="http://schemas.openxmlformats.org/presentationml/2006/ole">
+            <mc:AlternateContent xmlns:mc="http://schemas.openxmlformats.org/markup-compatibility/2006">
+              <mc:Choice xmlns:v="urn:schemas-microsoft-com:vml" Requires="v">
+                <p:oleObj spid="_x0000_s1025" name="" r:id="rId5" imgW="889000" imgH="457200" progId="Equation.KSEE3">
+                  <p:embed/>
+                </p:oleObj>
+              </mc:Choice>
+              <mc:Fallback>
+                <p:oleObj name="" r:id="rId5" imgW="889000" imgH="457200" progId="Equation.KSEE3">
+                  <p:embed/>
+                  <p:pic>
+                    <p:nvPicPr>
+                      <p:cNvPr id="0" name="图片 1024"/>
+                      <p:cNvPicPr/>
+                      <p:nvPr/>
+                    </p:nvPicPr>
+                    <p:blipFill>
+                      <a:blip r:embed="rId6"/>
+                      <a:stretch>
+                        <a:fillRect/>
+                      </a:stretch>
+                    </p:blipFill>
+                    <p:spPr>
+                      <a:xfrm>
+                        <a:off x="4060825" y="6090603"/>
+                        <a:ext cx="1230630" cy="633730"/>
+                      </a:xfrm>
+                      <a:prstGeom prst="rect">
+                        <a:avLst/>
+                      </a:prstGeom>
+                    </p:spPr>
+                  </p:pic>
+                </p:oleObj>
+              </mc:Fallback>
+            </mc:AlternateContent>
+          </a:graphicData>
+        </a:graphic>
+      </p:graphicFrame>
+      <p:graphicFrame>
+        <p:nvGraphicFramePr>
+          <p:cNvPr id="6" name="对象 5">
+            <a:hlinkClick r:id="" action="ppaction://ole?verb="/>
+          </p:cNvPr>
+          <p:cNvGraphicFramePr>
+            <a:graphicFrameLocks noChangeAspect="1"/>
+          </p:cNvGraphicFramePr>
+          <p:nvPr/>
+        </p:nvGraphicFramePr>
+        <p:xfrm>
+          <a:off x="9651048" y="5708015"/>
+          <a:ext cx="1992630" cy="723900"/>
+        </p:xfrm>
+        <a:graphic>
+          <a:graphicData uri="http://schemas.openxmlformats.org/presentationml/2006/ole">
+            <mc:AlternateContent xmlns:mc="http://schemas.openxmlformats.org/markup-compatibility/2006">
+              <mc:Choice xmlns:v="urn:schemas-microsoft-com:vml" Requires="v">
+                <p:oleObj spid="_x0000_s2050" name="" r:id="rId7" imgW="1409700" imgH="457200" progId="Equation.KSEE3">
+                  <p:embed/>
+                </p:oleObj>
+              </mc:Choice>
+              <mc:Fallback>
+                <p:oleObj name="" r:id="rId7" imgW="1409700" imgH="457200" progId="Equation.KSEE3">
+                  <p:embed/>
+                  <p:pic>
+                    <p:nvPicPr>
+                      <p:cNvPr id="0" name="图片 2049"/>
+                      <p:cNvPicPr/>
+                      <p:nvPr/>
+                    </p:nvPicPr>
+                    <p:blipFill>
+                      <a:blip r:embed="rId8"/>
+                      <a:stretch>
+                        <a:fillRect/>
+                      </a:stretch>
+                    </p:blipFill>
+                    <p:spPr>
+                      <a:xfrm>
+                        <a:off x="9651048" y="5708015"/>
+                        <a:ext cx="1992630" cy="723900"/>
+                      </a:xfrm>
+                      <a:prstGeom prst="rect">
+                        <a:avLst/>
+                      </a:prstGeom>
+                    </p:spPr>
+                  </p:pic>
+                </p:oleObj>
+              </mc:Fallback>
+            </mc:AlternateContent>
+          </a:graphicData>
+        </a:graphic>
+      </p:graphicFrame>
+      <p:graphicFrame>
+        <p:nvGraphicFramePr>
+          <p:cNvPr id="8" name="对象 7">
+            <a:hlinkClick r:id="" action="ppaction://ole?verb="/>
+          </p:cNvPr>
+          <p:cNvGraphicFramePr>
+            <a:graphicFrameLocks noChangeAspect="1"/>
+          </p:cNvGraphicFramePr>
+          <p:nvPr/>
+        </p:nvGraphicFramePr>
+        <p:xfrm>
+          <a:off x="3025140" y="289560"/>
+          <a:ext cx="3302000" cy="1323975"/>
+        </p:xfrm>
+        <a:graphic>
+          <a:graphicData uri="http://schemas.openxmlformats.org/presentationml/2006/ole">
+            <mc:AlternateContent xmlns:mc="http://schemas.openxmlformats.org/markup-compatibility/2006">
+              <mc:Choice xmlns:v="urn:schemas-microsoft-com:vml" Requires="v">
+                <p:oleObj spid="_x0000_s9" name="" r:id="rId9" imgW="2819400" imgH="1130300" progId="Equation.KSEE3">
+                  <p:embed/>
+                </p:oleObj>
+              </mc:Choice>
+              <mc:Fallback>
+                <p:oleObj name="" r:id="rId9" imgW="2819400" imgH="1130300" progId="Equation.KSEE3">
+                  <p:embed/>
+                  <p:pic>
+                    <p:nvPicPr>
+                      <p:cNvPr id="0" name="图片 2048"/>
+                      <p:cNvPicPr/>
+                      <p:nvPr/>
+                    </p:nvPicPr>
+                    <p:blipFill>
+                      <a:blip r:embed="rId10"/>
+                      <a:stretch>
+                        <a:fillRect/>
+                      </a:stretch>
+                    </p:blipFill>
+                    <p:spPr>
+                      <a:xfrm>
+                        <a:off x="3025140" y="289560"/>
+                        <a:ext cx="3302000" cy="1323975"/>
+                      </a:xfrm>
+                      <a:prstGeom prst="rect">
+                        <a:avLst/>
+                      </a:prstGeom>
+                    </p:spPr>
+                  </p:pic>
+                </p:oleObj>
+              </mc:Fallback>
+            </mc:AlternateContent>
+          </a:graphicData>
+        </a:graphic>
+      </p:graphicFrame>
+      <p:graphicFrame>
+        <p:nvGraphicFramePr>
+          <p:cNvPr id="5" name="对象 4">
+            <a:hlinkClick r:id="" action="ppaction://ole?verb="/>
+          </p:cNvPr>
+          <p:cNvGraphicFramePr>
+            <a:graphicFrameLocks noChangeAspect="1"/>
+          </p:cNvGraphicFramePr>
+          <p:nvPr/>
+        </p:nvGraphicFramePr>
+        <p:xfrm>
+          <a:off x="6990715" y="820420"/>
+          <a:ext cx="3667125" cy="3371215"/>
+        </p:xfrm>
+        <a:graphic>
+          <a:graphicData uri="http://schemas.openxmlformats.org/presentationml/2006/ole">
+            <mc:AlternateContent xmlns:mc="http://schemas.openxmlformats.org/markup-compatibility/2006">
+              <mc:Choice xmlns:v="urn:schemas-microsoft-com:vml" Requires="v">
+                <p:oleObj spid="_x0000_s10" name="" r:id="rId11" imgW="2044700" imgH="1879600" progId="Equation.KSEE3">
+                  <p:embed/>
+                </p:oleObj>
+              </mc:Choice>
+              <mc:Fallback>
+                <p:oleObj name="" r:id="rId11" imgW="2044700" imgH="1879600" progId="Equation.KSEE3">
+                  <p:embed/>
+                  <p:pic>
+                    <p:nvPicPr>
+                      <p:cNvPr id="0" name="图片 1024"/>
+                      <p:cNvPicPr/>
+                      <p:nvPr/>
+                    </p:nvPicPr>
+                    <p:blipFill>
+                      <a:blip r:embed="rId12"/>
+                      <a:stretch>
+                        <a:fillRect/>
+                      </a:stretch>
+                    </p:blipFill>
+                    <p:spPr>
+                      <a:xfrm>
+                        <a:off x="6990715" y="820420"/>
+                        <a:ext cx="3667125" cy="3371215"/>
                       </a:xfrm>
                       <a:prstGeom prst="rect">
                         <a:avLst/>

--- a/人工智能/PowerPoint笔记/人工智能中使用的公式.pptx
+++ b/人工智能/PowerPoint笔记/人工智能中使用的公式.pptx
@@ -15,6 +15,7 @@
     <p:sldId id="266" r:id="rId10"/>
     <p:sldId id="267" r:id="rId11"/>
     <p:sldId id="268" r:id="rId12"/>
+    <p:sldId id="269" r:id="rId13"/>
   </p:sldIdLst>
   <p:sldSz cx="12192000" cy="6858000"/>
   <p:notesSz cx="6858000" cy="9144000"/>
@@ -3222,6 +3223,501 @@
 </p:sld>
 </file>
 
+<file path=ppt/slides/slide11.xml><?xml version="1.0" encoding="utf-8"?>
+<p:sld xmlns:a="http://schemas.openxmlformats.org/drawingml/2006/main" xmlns:r="http://schemas.openxmlformats.org/officeDocument/2006/relationships" xmlns:p="http://schemas.openxmlformats.org/presentationml/2006/main">
+  <p:cSld>
+    <p:spTree>
+      <p:nvGrpSpPr>
+        <p:cNvPr id="1" name=""/>
+        <p:cNvGrpSpPr/>
+        <p:nvPr/>
+      </p:nvGrpSpPr>
+      <p:grpSpPr/>
+      <p:graphicFrame>
+        <p:nvGraphicFramePr>
+          <p:cNvPr id="2" name="对象 1">
+            <a:hlinkClick r:id="" action="ppaction://ole?verb="/>
+          </p:cNvPr>
+          <p:cNvGraphicFramePr>
+            <a:graphicFrameLocks noChangeAspect="1"/>
+          </p:cNvGraphicFramePr>
+          <p:nvPr/>
+        </p:nvGraphicFramePr>
+        <p:xfrm>
+          <a:off x="5638800" y="3321050"/>
+          <a:ext cx="914400" cy="215900"/>
+        </p:xfrm>
+        <a:graphic>
+          <a:graphicData uri="http://schemas.openxmlformats.org/presentationml/2006/ole">
+            <mc:AlternateContent xmlns:mc="http://schemas.openxmlformats.org/markup-compatibility/2006">
+              <mc:Choice xmlns:v="urn:schemas-microsoft-com:vml" Requires="v">
+                <p:oleObj spid="_x0000_s1025" name="" r:id="rId1" imgW="914400" imgH="215900" progId="Equation.KSEE3">
+                  <p:embed/>
+                </p:oleObj>
+              </mc:Choice>
+              <mc:Fallback>
+                <p:oleObj name="" r:id="rId1" imgW="914400" imgH="215900" progId="Equation.KSEE3">
+                  <p:embed/>
+                  <p:pic>
+                    <p:nvPicPr>
+                      <p:cNvPr id="0" name="图片 1024"/>
+                      <p:cNvPicPr/>
+                      <p:nvPr/>
+                    </p:nvPicPr>
+                    <p:blipFill>
+                      <a:blip r:embed="rId2"/>
+                      <a:stretch>
+                        <a:fillRect/>
+                      </a:stretch>
+                    </p:blipFill>
+                    <p:spPr>
+                      <a:xfrm>
+                        <a:off x="5638800" y="3321050"/>
+                        <a:ext cx="914400" cy="215900"/>
+                      </a:xfrm>
+                      <a:prstGeom prst="rect">
+                        <a:avLst/>
+                      </a:prstGeom>
+                    </p:spPr>
+                  </p:pic>
+                </p:oleObj>
+              </mc:Fallback>
+            </mc:AlternateContent>
+          </a:graphicData>
+        </a:graphic>
+      </p:graphicFrame>
+      <p:graphicFrame>
+        <p:nvGraphicFramePr>
+          <p:cNvPr id="4" name="对象 3">
+            <a:hlinkClick r:id="" action="ppaction://ole?verb="/>
+          </p:cNvPr>
+          <p:cNvGraphicFramePr>
+            <a:graphicFrameLocks noChangeAspect="1"/>
+          </p:cNvGraphicFramePr>
+          <p:nvPr/>
+        </p:nvGraphicFramePr>
+        <p:xfrm>
+          <a:off x="441960" y="246063"/>
+          <a:ext cx="1562100" cy="634365"/>
+        </p:xfrm>
+        <a:graphic>
+          <a:graphicData uri="http://schemas.openxmlformats.org/presentationml/2006/ole">
+            <mc:AlternateContent xmlns:mc="http://schemas.openxmlformats.org/markup-compatibility/2006">
+              <mc:Choice xmlns:v="urn:schemas-microsoft-com:vml" Requires="v">
+                <p:oleObj spid="_x0000_s1026" name="" r:id="rId3" imgW="1562100" imgH="634365" progId="Equation.KSEE3">
+                  <p:embed/>
+                </p:oleObj>
+              </mc:Choice>
+              <mc:Fallback>
+                <p:oleObj name="" r:id="rId3" imgW="1562100" imgH="634365" progId="Equation.KSEE3">
+                  <p:embed/>
+                  <p:pic>
+                    <p:nvPicPr>
+                      <p:cNvPr id="0" name="图片 1025"/>
+                      <p:cNvPicPr/>
+                      <p:nvPr/>
+                    </p:nvPicPr>
+                    <p:blipFill>
+                      <a:blip r:embed="rId4"/>
+                      <a:stretch>
+                        <a:fillRect/>
+                      </a:stretch>
+                    </p:blipFill>
+                    <p:spPr>
+                      <a:xfrm>
+                        <a:off x="441960" y="246063"/>
+                        <a:ext cx="1562100" cy="634365"/>
+                      </a:xfrm>
+                      <a:prstGeom prst="rect">
+                        <a:avLst/>
+                      </a:prstGeom>
+                    </p:spPr>
+                  </p:pic>
+                </p:oleObj>
+              </mc:Fallback>
+            </mc:AlternateContent>
+          </a:graphicData>
+        </a:graphic>
+      </p:graphicFrame>
+      <p:graphicFrame>
+        <p:nvGraphicFramePr>
+          <p:cNvPr id="5" name="对象 4">
+            <a:hlinkClick r:id="" action="ppaction://ole?verb="/>
+          </p:cNvPr>
+          <p:cNvGraphicFramePr>
+            <a:graphicFrameLocks noChangeAspect="1"/>
+          </p:cNvGraphicFramePr>
+          <p:nvPr/>
+        </p:nvGraphicFramePr>
+        <p:xfrm>
+          <a:off x="441960" y="1398270"/>
+          <a:ext cx="1562100" cy="482600"/>
+        </p:xfrm>
+        <a:graphic>
+          <a:graphicData uri="http://schemas.openxmlformats.org/presentationml/2006/ole">
+            <mc:AlternateContent xmlns:mc="http://schemas.openxmlformats.org/markup-compatibility/2006">
+              <mc:Choice xmlns:v="urn:schemas-microsoft-com:vml" Requires="v">
+                <p:oleObj spid="_x0000_s1026" name="" r:id="rId5" imgW="1562100" imgH="482600" progId="Equation.KSEE3">
+                  <p:embed/>
+                </p:oleObj>
+              </mc:Choice>
+              <mc:Fallback>
+                <p:oleObj name="" r:id="rId5" imgW="1562100" imgH="482600" progId="Equation.KSEE3">
+                  <p:embed/>
+                  <p:pic>
+                    <p:nvPicPr>
+                      <p:cNvPr id="0" name="图片 1025"/>
+                      <p:cNvPicPr/>
+                      <p:nvPr/>
+                    </p:nvPicPr>
+                    <p:blipFill>
+                      <a:blip r:embed="rId6"/>
+                      <a:stretch>
+                        <a:fillRect/>
+                      </a:stretch>
+                    </p:blipFill>
+                    <p:spPr>
+                      <a:xfrm>
+                        <a:off x="441960" y="1398270"/>
+                        <a:ext cx="1562100" cy="482600"/>
+                      </a:xfrm>
+                      <a:prstGeom prst="rect">
+                        <a:avLst/>
+                      </a:prstGeom>
+                    </p:spPr>
+                  </p:pic>
+                </p:oleObj>
+              </mc:Fallback>
+            </mc:AlternateContent>
+          </a:graphicData>
+        </a:graphic>
+      </p:graphicFrame>
+      <p:graphicFrame>
+        <p:nvGraphicFramePr>
+          <p:cNvPr id="6" name="对象 5">
+            <a:hlinkClick r:id="" action="ppaction://ole?verb="/>
+          </p:cNvPr>
+          <p:cNvGraphicFramePr>
+            <a:graphicFrameLocks noChangeAspect="1"/>
+          </p:cNvGraphicFramePr>
+          <p:nvPr/>
+        </p:nvGraphicFramePr>
+        <p:xfrm>
+          <a:off x="441960" y="2457450"/>
+          <a:ext cx="1562100" cy="660400"/>
+        </p:xfrm>
+        <a:graphic>
+          <a:graphicData uri="http://schemas.openxmlformats.org/presentationml/2006/ole">
+            <mc:AlternateContent xmlns:mc="http://schemas.openxmlformats.org/markup-compatibility/2006">
+              <mc:Choice xmlns:v="urn:schemas-microsoft-com:vml" Requires="v">
+                <p:oleObj spid="_x0000_s7" name="" r:id="rId7" imgW="1562100" imgH="660400" progId="Equation.KSEE3">
+                  <p:embed/>
+                </p:oleObj>
+              </mc:Choice>
+              <mc:Fallback>
+                <p:oleObj name="" r:id="rId7" imgW="1562100" imgH="660400" progId="Equation.KSEE3">
+                  <p:embed/>
+                  <p:pic>
+                    <p:nvPicPr>
+                      <p:cNvPr id="0" name="图片 1025"/>
+                      <p:cNvPicPr/>
+                      <p:nvPr/>
+                    </p:nvPicPr>
+                    <p:blipFill>
+                      <a:blip r:embed="rId8"/>
+                      <a:stretch>
+                        <a:fillRect/>
+                      </a:stretch>
+                    </p:blipFill>
+                    <p:spPr>
+                      <a:xfrm>
+                        <a:off x="441960" y="2457450"/>
+                        <a:ext cx="1562100" cy="660400"/>
+                      </a:xfrm>
+                      <a:prstGeom prst="rect">
+                        <a:avLst/>
+                      </a:prstGeom>
+                    </p:spPr>
+                  </p:pic>
+                </p:oleObj>
+              </mc:Fallback>
+            </mc:AlternateContent>
+          </a:graphicData>
+        </a:graphic>
+      </p:graphicFrame>
+      <p:graphicFrame>
+        <p:nvGraphicFramePr>
+          <p:cNvPr id="8" name="对象 7">
+            <a:hlinkClick r:id="" action="ppaction://ole?verb="/>
+          </p:cNvPr>
+          <p:cNvGraphicFramePr>
+            <a:graphicFrameLocks noChangeAspect="1"/>
+          </p:cNvGraphicFramePr>
+          <p:nvPr/>
+        </p:nvGraphicFramePr>
+        <p:xfrm>
+          <a:off x="441960" y="3950970"/>
+          <a:ext cx="1562100" cy="482600"/>
+        </p:xfrm>
+        <a:graphic>
+          <a:graphicData uri="http://schemas.openxmlformats.org/presentationml/2006/ole">
+            <mc:AlternateContent xmlns:mc="http://schemas.openxmlformats.org/markup-compatibility/2006">
+              <mc:Choice xmlns:v="urn:schemas-microsoft-com:vml" Requires="v">
+                <p:oleObj spid="_x0000_s9" name="" r:id="rId9" imgW="1562100" imgH="482600" progId="Equation.KSEE3">
+                  <p:embed/>
+                </p:oleObj>
+              </mc:Choice>
+              <mc:Fallback>
+                <p:oleObj name="" r:id="rId9" imgW="1562100" imgH="482600" progId="Equation.KSEE3">
+                  <p:embed/>
+                  <p:pic>
+                    <p:nvPicPr>
+                      <p:cNvPr id="0" name="图片 1025"/>
+                      <p:cNvPicPr/>
+                      <p:nvPr/>
+                    </p:nvPicPr>
+                    <p:blipFill>
+                      <a:blip r:embed="rId10"/>
+                      <a:stretch>
+                        <a:fillRect/>
+                      </a:stretch>
+                    </p:blipFill>
+                    <p:spPr>
+                      <a:xfrm>
+                        <a:off x="441960" y="3950970"/>
+                        <a:ext cx="1562100" cy="482600"/>
+                      </a:xfrm>
+                      <a:prstGeom prst="rect">
+                        <a:avLst/>
+                      </a:prstGeom>
+                    </p:spPr>
+                  </p:pic>
+                </p:oleObj>
+              </mc:Fallback>
+            </mc:AlternateContent>
+          </a:graphicData>
+        </a:graphic>
+      </p:graphicFrame>
+      <p:graphicFrame>
+        <p:nvGraphicFramePr>
+          <p:cNvPr id="10" name="对象 9">
+            <a:hlinkClick r:id="" action="ppaction://ole?verb="/>
+          </p:cNvPr>
+          <p:cNvGraphicFramePr>
+            <a:graphicFrameLocks noChangeAspect="1"/>
+          </p:cNvGraphicFramePr>
+          <p:nvPr/>
+        </p:nvGraphicFramePr>
+        <p:xfrm>
+          <a:off x="3176905" y="1459865"/>
+          <a:ext cx="825500" cy="431800"/>
+        </p:xfrm>
+        <a:graphic>
+          <a:graphicData uri="http://schemas.openxmlformats.org/presentationml/2006/ole">
+            <mc:AlternateContent xmlns:mc="http://schemas.openxmlformats.org/markup-compatibility/2006">
+              <mc:Choice xmlns:v="urn:schemas-microsoft-com:vml" Requires="v">
+                <p:oleObj spid="_x0000_s1025" name="" r:id="rId11" imgW="825500" imgH="431800" progId="Equation.KSEE3">
+                  <p:embed/>
+                </p:oleObj>
+              </mc:Choice>
+              <mc:Fallback>
+                <p:oleObj name="" r:id="rId11" imgW="825500" imgH="431800" progId="Equation.KSEE3">
+                  <p:embed/>
+                  <p:pic>
+                    <p:nvPicPr>
+                      <p:cNvPr id="0" name="图片 1024"/>
+                      <p:cNvPicPr/>
+                      <p:nvPr/>
+                    </p:nvPicPr>
+                    <p:blipFill>
+                      <a:blip r:embed="rId12"/>
+                      <a:stretch>
+                        <a:fillRect/>
+                      </a:stretch>
+                    </p:blipFill>
+                    <p:spPr>
+                      <a:xfrm>
+                        <a:off x="3176905" y="1459865"/>
+                        <a:ext cx="825500" cy="431800"/>
+                      </a:xfrm>
+                      <a:prstGeom prst="rect">
+                        <a:avLst/>
+                      </a:prstGeom>
+                    </p:spPr>
+                  </p:pic>
+                </p:oleObj>
+              </mc:Fallback>
+            </mc:AlternateContent>
+          </a:graphicData>
+        </a:graphic>
+      </p:graphicFrame>
+      <p:graphicFrame>
+        <p:nvGraphicFramePr>
+          <p:cNvPr id="11" name="对象 10">
+            <a:hlinkClick r:id="" action="ppaction://ole?verb="/>
+          </p:cNvPr>
+          <p:cNvGraphicFramePr>
+            <a:graphicFrameLocks noChangeAspect="1"/>
+          </p:cNvGraphicFramePr>
+          <p:nvPr/>
+        </p:nvGraphicFramePr>
+        <p:xfrm>
+          <a:off x="4534853" y="1649095"/>
+          <a:ext cx="545465" cy="152400"/>
+        </p:xfrm>
+        <a:graphic>
+          <a:graphicData uri="http://schemas.openxmlformats.org/presentationml/2006/ole">
+            <mc:AlternateContent xmlns:mc="http://schemas.openxmlformats.org/markup-compatibility/2006">
+              <mc:Choice xmlns:v="urn:schemas-microsoft-com:vml" Requires="v">
+                <p:oleObj spid="_x0000_s12" name="" r:id="rId13" imgW="545465" imgH="152400" progId="Equation.KSEE3">
+                  <p:embed/>
+                </p:oleObj>
+              </mc:Choice>
+              <mc:Fallback>
+                <p:oleObj name="" r:id="rId13" imgW="545465" imgH="152400" progId="Equation.KSEE3">
+                  <p:embed/>
+                  <p:pic>
+                    <p:nvPicPr>
+                      <p:cNvPr id="0" name="图片 1025"/>
+                      <p:cNvPicPr/>
+                      <p:nvPr/>
+                    </p:nvPicPr>
+                    <p:blipFill>
+                      <a:blip r:embed="rId14"/>
+                      <a:stretch>
+                        <a:fillRect/>
+                      </a:stretch>
+                    </p:blipFill>
+                    <p:spPr>
+                      <a:xfrm>
+                        <a:off x="4534853" y="1649095"/>
+                        <a:ext cx="545465" cy="152400"/>
+                      </a:xfrm>
+                      <a:prstGeom prst="rect">
+                        <a:avLst/>
+                      </a:prstGeom>
+                    </p:spPr>
+                  </p:pic>
+                </p:oleObj>
+              </mc:Fallback>
+            </mc:AlternateContent>
+          </a:graphicData>
+        </a:graphic>
+      </p:graphicFrame>
+      <p:graphicFrame>
+        <p:nvGraphicFramePr>
+          <p:cNvPr id="13" name="对象 12">
+            <a:hlinkClick r:id="" action="ppaction://ole?verb="/>
+          </p:cNvPr>
+          <p:cNvGraphicFramePr>
+            <a:graphicFrameLocks noChangeAspect="1"/>
+          </p:cNvGraphicFramePr>
+          <p:nvPr/>
+        </p:nvGraphicFramePr>
+        <p:xfrm>
+          <a:off x="5613400" y="1509395"/>
+          <a:ext cx="965200" cy="431800"/>
+        </p:xfrm>
+        <a:graphic>
+          <a:graphicData uri="http://schemas.openxmlformats.org/presentationml/2006/ole">
+            <mc:AlternateContent xmlns:mc="http://schemas.openxmlformats.org/markup-compatibility/2006">
+              <mc:Choice xmlns:v="urn:schemas-microsoft-com:vml" Requires="v">
+                <p:oleObj spid="_x0000_s1027" name="" r:id="rId15" imgW="965200" imgH="431800" progId="Equation.KSEE3">
+                  <p:embed/>
+                </p:oleObj>
+              </mc:Choice>
+              <mc:Fallback>
+                <p:oleObj name="" r:id="rId15" imgW="965200" imgH="431800" progId="Equation.KSEE3">
+                  <p:embed/>
+                  <p:pic>
+                    <p:nvPicPr>
+                      <p:cNvPr id="0" name="图片 1026"/>
+                      <p:cNvPicPr/>
+                      <p:nvPr/>
+                    </p:nvPicPr>
+                    <p:blipFill>
+                      <a:blip r:embed="rId16"/>
+                      <a:stretch>
+                        <a:fillRect/>
+                      </a:stretch>
+                    </p:blipFill>
+                    <p:spPr>
+                      <a:xfrm>
+                        <a:off x="5613400" y="1509395"/>
+                        <a:ext cx="965200" cy="431800"/>
+                      </a:xfrm>
+                      <a:prstGeom prst="rect">
+                        <a:avLst/>
+                      </a:prstGeom>
+                    </p:spPr>
+                  </p:pic>
+                </p:oleObj>
+              </mc:Fallback>
+            </mc:AlternateContent>
+          </a:graphicData>
+        </a:graphic>
+      </p:graphicFrame>
+      <p:graphicFrame>
+        <p:nvGraphicFramePr>
+          <p:cNvPr id="14" name="对象 13">
+            <a:hlinkClick r:id="" action="ppaction://ole?verb="/>
+          </p:cNvPr>
+          <p:cNvGraphicFramePr>
+            <a:graphicFrameLocks noChangeAspect="1"/>
+          </p:cNvGraphicFramePr>
+          <p:nvPr/>
+        </p:nvGraphicFramePr>
+        <p:xfrm>
+          <a:off x="7118350" y="1574165"/>
+          <a:ext cx="520700" cy="203200"/>
+        </p:xfrm>
+        <a:graphic>
+          <a:graphicData uri="http://schemas.openxmlformats.org/presentationml/2006/ole">
+            <mc:AlternateContent xmlns:mc="http://schemas.openxmlformats.org/markup-compatibility/2006">
+              <mc:Choice xmlns:v="urn:schemas-microsoft-com:vml" Requires="v">
+                <p:oleObj spid="_x0000_s1028" name="" r:id="rId17" imgW="520700" imgH="203200" progId="Equation.KSEE3">
+                  <p:embed/>
+                </p:oleObj>
+              </mc:Choice>
+              <mc:Fallback>
+                <p:oleObj name="" r:id="rId17" imgW="520700" imgH="203200" progId="Equation.KSEE3">
+                  <p:embed/>
+                  <p:pic>
+                    <p:nvPicPr>
+                      <p:cNvPr id="0" name="图片 1027"/>
+                      <p:cNvPicPr/>
+                      <p:nvPr/>
+                    </p:nvPicPr>
+                    <p:blipFill>
+                      <a:blip r:embed="rId18"/>
+                      <a:stretch>
+                        <a:fillRect/>
+                      </a:stretch>
+                    </p:blipFill>
+                    <p:spPr>
+                      <a:xfrm>
+                        <a:off x="7118350" y="1574165"/>
+                        <a:ext cx="520700" cy="203200"/>
+                      </a:xfrm>
+                      <a:prstGeom prst="rect">
+                        <a:avLst/>
+                      </a:prstGeom>
+                    </p:spPr>
+                  </p:pic>
+                </p:oleObj>
+              </mc:Fallback>
+            </mc:AlternateContent>
+          </a:graphicData>
+        </a:graphic>
+      </p:graphicFrame>
+    </p:spTree>
+  </p:cSld>
+  <p:clrMapOvr>
+    <a:masterClrMapping/>
+  </p:clrMapOvr>
+</p:sld>
+</file>
+
 <file path=ppt/slides/slide2.xml><?xml version="1.0" encoding="utf-8"?>
 <p:sld xmlns:a="http://schemas.openxmlformats.org/drawingml/2006/main" xmlns:r="http://schemas.openxmlformats.org/officeDocument/2006/relationships" xmlns:p="http://schemas.openxmlformats.org/presentationml/2006/main">
   <p:cSld>

--- a/人工智能/PowerPoint笔记/人工智能中使用的公式.pptx
+++ b/人工智能/PowerPoint笔记/人工智能中使用的公式.pptx
@@ -3357,7 +3357,7 @@
           <a:graphicData uri="http://schemas.openxmlformats.org/presentationml/2006/ole">
             <mc:AlternateContent xmlns:mc="http://schemas.openxmlformats.org/markup-compatibility/2006">
               <mc:Choice xmlns:v="urn:schemas-microsoft-com:vml" Requires="v">
-                <p:oleObj spid="_x0000_s1026" name="" r:id="rId5" imgW="1562100" imgH="482600" progId="Equation.KSEE3">
+                <p:oleObj spid="_x0000_s3" name="" r:id="rId5" imgW="1562100" imgH="482600" progId="Equation.KSEE3">
                   <p:embed/>
                 </p:oleObj>
               </mc:Choice>
@@ -3516,7 +3516,7 @@
           <a:graphicData uri="http://schemas.openxmlformats.org/presentationml/2006/ole">
             <mc:AlternateContent xmlns:mc="http://schemas.openxmlformats.org/markup-compatibility/2006">
               <mc:Choice xmlns:v="urn:schemas-microsoft-com:vml" Requires="v">
-                <p:oleObj spid="_x0000_s1025" name="" r:id="rId11" imgW="825500" imgH="431800" progId="Equation.KSEE3">
+                <p:oleObj spid="_x0000_s11" name="" r:id="rId11" imgW="825500" imgH="431800" progId="Equation.KSEE3">
                   <p:embed/>
                 </p:oleObj>
               </mc:Choice>
@@ -3553,7 +3553,7 @@
       </p:graphicFrame>
       <p:graphicFrame>
         <p:nvGraphicFramePr>
-          <p:cNvPr id="11" name="对象 10">
+          <p:cNvPr id="12" name="对象 11">
             <a:hlinkClick r:id="" action="ppaction://ole?verb="/>
           </p:cNvPr>
           <p:cNvGraphicFramePr>
@@ -3569,7 +3569,7 @@
           <a:graphicData uri="http://schemas.openxmlformats.org/presentationml/2006/ole">
             <mc:AlternateContent xmlns:mc="http://schemas.openxmlformats.org/markup-compatibility/2006">
               <mc:Choice xmlns:v="urn:schemas-microsoft-com:vml" Requires="v">
-                <p:oleObj spid="_x0000_s12" name="" r:id="rId13" imgW="545465" imgH="152400" progId="Equation.KSEE3">
+                <p:oleObj spid="_x0000_s13" name="" r:id="rId13" imgW="545465" imgH="152400" progId="Equation.KSEE3">
                   <p:embed/>
                 </p:oleObj>
               </mc:Choice>
@@ -3606,7 +3606,7 @@
       </p:graphicFrame>
       <p:graphicFrame>
         <p:nvGraphicFramePr>
-          <p:cNvPr id="13" name="对象 12">
+          <p:cNvPr id="14" name="对象 13">
             <a:hlinkClick r:id="" action="ppaction://ole?verb="/>
           </p:cNvPr>
           <p:cNvGraphicFramePr>
@@ -3659,7 +3659,7 @@
       </p:graphicFrame>
       <p:graphicFrame>
         <p:nvGraphicFramePr>
-          <p:cNvPr id="14" name="对象 13">
+          <p:cNvPr id="15" name="对象 14">
             <a:hlinkClick r:id="" action="ppaction://ole?verb="/>
           </p:cNvPr>
           <p:cNvGraphicFramePr>
@@ -3698,6 +3698,112 @@
                       <a:xfrm>
                         <a:off x="7118350" y="1574165"/>
                         <a:ext cx="520700" cy="203200"/>
+                      </a:xfrm>
+                      <a:prstGeom prst="rect">
+                        <a:avLst/>
+                      </a:prstGeom>
+                    </p:spPr>
+                  </p:pic>
+                </p:oleObj>
+              </mc:Fallback>
+            </mc:AlternateContent>
+          </a:graphicData>
+        </a:graphic>
+      </p:graphicFrame>
+      <p:graphicFrame>
+        <p:nvGraphicFramePr>
+          <p:cNvPr id="16" name="对象 15">
+            <a:hlinkClick r:id="" action="ppaction://ole?verb="/>
+          </p:cNvPr>
+          <p:cNvGraphicFramePr>
+            <a:graphicFrameLocks noChangeAspect="1"/>
+          </p:cNvGraphicFramePr>
+          <p:nvPr/>
+        </p:nvGraphicFramePr>
+        <p:xfrm>
+          <a:off x="10184765" y="3536950"/>
+          <a:ext cx="1308100" cy="1600200"/>
+        </p:xfrm>
+        <a:graphic>
+          <a:graphicData uri="http://schemas.openxmlformats.org/presentationml/2006/ole">
+            <mc:AlternateContent xmlns:mc="http://schemas.openxmlformats.org/markup-compatibility/2006">
+              <mc:Choice xmlns:v="urn:schemas-microsoft-com:vml" Requires="v">
+                <p:oleObj spid="_x0000_s17" name="" r:id="rId19" imgW="1308100" imgH="1600200" progId="Equation.KSEE3">
+                  <p:embed/>
+                </p:oleObj>
+              </mc:Choice>
+              <mc:Fallback>
+                <p:oleObj name="" r:id="rId19" imgW="1308100" imgH="1600200" progId="Equation.KSEE3">
+                  <p:embed/>
+                  <p:pic>
+                    <p:nvPicPr>
+                      <p:cNvPr id="0" name="图片 1024"/>
+                      <p:cNvPicPr/>
+                      <p:nvPr/>
+                    </p:nvPicPr>
+                    <p:blipFill>
+                      <a:blip r:embed="rId20"/>
+                      <a:stretch>
+                        <a:fillRect/>
+                      </a:stretch>
+                    </p:blipFill>
+                    <p:spPr>
+                      <a:xfrm>
+                        <a:off x="10184765" y="3536950"/>
+                        <a:ext cx="1308100" cy="1600200"/>
+                      </a:xfrm>
+                      <a:prstGeom prst="rect">
+                        <a:avLst/>
+                      </a:prstGeom>
+                    </p:spPr>
+                  </p:pic>
+                </p:oleObj>
+              </mc:Fallback>
+            </mc:AlternateContent>
+          </a:graphicData>
+        </a:graphic>
+      </p:graphicFrame>
+      <p:graphicFrame>
+        <p:nvGraphicFramePr>
+          <p:cNvPr id="18" name="对象 17">
+            <a:hlinkClick r:id="" action="ppaction://ole?verb="/>
+          </p:cNvPr>
+          <p:cNvGraphicFramePr>
+            <a:graphicFrameLocks noChangeAspect="1"/>
+          </p:cNvGraphicFramePr>
+          <p:nvPr/>
+        </p:nvGraphicFramePr>
+        <p:xfrm>
+          <a:off x="4241800" y="3117850"/>
+          <a:ext cx="1371600" cy="1422400"/>
+        </p:xfrm>
+        <a:graphic>
+          <a:graphicData uri="http://schemas.openxmlformats.org/presentationml/2006/ole">
+            <mc:AlternateContent xmlns:mc="http://schemas.openxmlformats.org/markup-compatibility/2006">
+              <mc:Choice xmlns:v="urn:schemas-microsoft-com:vml" Requires="v">
+                <p:oleObj spid="_x0000_s19" name="" r:id="rId21" imgW="1371600" imgH="1422400" progId="Equation.KSEE3">
+                  <p:embed/>
+                </p:oleObj>
+              </mc:Choice>
+              <mc:Fallback>
+                <p:oleObj name="" r:id="rId21" imgW="1371600" imgH="1422400" progId="Equation.KSEE3">
+                  <p:embed/>
+                  <p:pic>
+                    <p:nvPicPr>
+                      <p:cNvPr id="0" name="图片 1024"/>
+                      <p:cNvPicPr/>
+                      <p:nvPr/>
+                    </p:nvPicPr>
+                    <p:blipFill>
+                      <a:blip r:embed="rId22"/>
+                      <a:stretch>
+                        <a:fillRect/>
+                      </a:stretch>
+                    </p:blipFill>
+                    <p:spPr>
+                      <a:xfrm>
+                        <a:off x="4241800" y="3117850"/>
+                        <a:ext cx="1371600" cy="1422400"/>
                       </a:xfrm>
                       <a:prstGeom prst="rect">
                         <a:avLst/>
